--- a/report/NLP PROJECT PRESENTATION.pptx
+++ b/report/NLP PROJECT PRESENTATION.pptx
@@ -12742,13 +12742,13 @@
           <a:blip r:embed="rId3">
             <a:alphaModFix/>
           </a:blip>
-          <a:srcRect b="0" l="0" r="10698" t="0"/>
+          <a:srcRect b="0" l="0" r="7415" t="0"/>
           <a:stretch/>
         </p:blipFill>
         <p:spPr>
           <a:xfrm>
-            <a:off x="767650" y="1267725"/>
-            <a:ext cx="7608700" cy="2608050"/>
+            <a:off x="480000" y="1805400"/>
+            <a:ext cx="8434150" cy="1946450"/>
           </a:xfrm>
           <a:prstGeom prst="rect">
             <a:avLst/>
@@ -14024,7 +14024,7 @@
             <a:tbl>
               <a:tblPr>
                 <a:noFill/>
-                <a:tableStyleId>{46162039-4FB4-46C8-AED4-CC365AFD864F}</a:tableStyleId>
+                <a:tableStyleId>{9DCE31DA-3435-45C6-9B75-31555E64D64F}</a:tableStyleId>
               </a:tblPr>
               <a:tblGrid>
                 <a:gridCol w="3302150"/>
@@ -15415,8 +15415,8 @@
         </p:nvSpPr>
         <p:spPr>
           <a:xfrm>
-            <a:off x="1297500" y="1567550"/>
-            <a:ext cx="7038900" cy="2911200"/>
+            <a:off x="1297500" y="1175400"/>
+            <a:ext cx="7038900" cy="3303300"/>
           </a:xfrm>
           <a:prstGeom prst="rect">
             <a:avLst/>
@@ -15446,7 +15446,32 @@
               </a:rPr>
               <a:t>Then we randomly selected 100 sentence from corpus;and manually calculated Fluency score from scale of 1 to 10 following below rules:</a:t>
             </a:r>
-            <a:endParaRPr sz="1200">
+            <a:br>
+              <a:rPr lang="en-GB" sz="1200">
+                <a:latin typeface="Arial"/>
+                <a:ea typeface="Arial"/>
+                <a:cs typeface="Arial"/>
+                <a:sym typeface="Arial"/>
+              </a:rPr>
+            </a:br>
+            <a:br>
+              <a:rPr b="1" lang="en-GB" sz="1200">
+                <a:latin typeface="Arial"/>
+                <a:ea typeface="Arial"/>
+                <a:cs typeface="Arial"/>
+                <a:sym typeface="Arial"/>
+              </a:rPr>
+            </a:br>
+            <a:r>
+              <a:rPr b="1" i="1" lang="en-GB" sz="1200">
+                <a:latin typeface="Arial"/>
+                <a:ea typeface="Arial"/>
+                <a:cs typeface="Arial"/>
+                <a:sym typeface="Arial"/>
+              </a:rPr>
+              <a:t>We have given below ranges keeping in mind existing rules as given in https://en.wikipedia.org/wiki/Automated_readability_index</a:t>
+            </a:r>
+            <a:endParaRPr b="1" i="1" sz="1200">
               <a:latin typeface="Arial"/>
               <a:ea typeface="Arial"/>
               <a:cs typeface="Arial"/>
@@ -15505,7 +15530,7 @@
           <p:nvPr/>
         </p:nvGraphicFramePr>
         <p:xfrm>
-          <a:off x="1197450" y="2192750"/>
+          <a:off x="1197450" y="2571750"/>
           <a:ext cx="3000000" cy="3000000"/>
         </p:xfrm>
         <a:graphic>
@@ -15513,7 +15538,7 @@
             <a:tbl>
               <a:tblPr>
                 <a:noFill/>
-                <a:tableStyleId>{46162039-4FB4-46C8-AED4-CC365AFD864F}</a:tableStyleId>
+                <a:tableStyleId>{9DCE31DA-3435-45C6-9B75-31555E64D64F}</a:tableStyleId>
               </a:tblPr>
               <a:tblGrid>
                 <a:gridCol w="3619500"/>
@@ -16433,8 +16458,8 @@
         </p:nvSpPr>
         <p:spPr>
           <a:xfrm>
-            <a:off x="1297500" y="393750"/>
-            <a:ext cx="7038900" cy="914100"/>
+            <a:off x="865075" y="393750"/>
+            <a:ext cx="7748100" cy="914100"/>
           </a:xfrm>
           <a:prstGeom prst="rect">
             <a:avLst/>
@@ -16465,7 +16490,25 @@
                 <a:cs typeface="Arial"/>
                 <a:sym typeface="Arial"/>
               </a:rPr>
-              <a:t>Comparing human fluency scores with weighted means score</a:t>
+              <a:t>Comparing human fluency scores with </a:t>
+            </a:r>
+            <a:r>
+              <a:rPr lang="en-GB" sz="1900">
+                <a:latin typeface="Arial"/>
+                <a:ea typeface="Arial"/>
+                <a:cs typeface="Arial"/>
+                <a:sym typeface="Arial"/>
+              </a:rPr>
+              <a:t>normalized</a:t>
+            </a:r>
+            <a:r>
+              <a:rPr lang="en-GB" sz="1900">
+                <a:latin typeface="Arial"/>
+                <a:ea typeface="Arial"/>
+                <a:cs typeface="Arial"/>
+                <a:sym typeface="Arial"/>
+              </a:rPr>
+              <a:t> fluency score</a:t>
             </a:r>
             <a:endParaRPr sz="3100">
               <a:latin typeface="Arial"/>
@@ -16755,6 +16798,9 @@
           <a:lstStyle/>
           <a:p>
             <a:pPr indent="0" lvl="0" marL="0" rtl="0" algn="l">
+              <a:lnSpc>
+                <a:spcPct val="115000"/>
+              </a:lnSpc>
               <a:spcBef>
                 <a:spcPts val="500"/>
               </a:spcBef>
@@ -16765,14 +16811,20 @@
             </a:pPr>
             <a:r>
               <a:rPr lang="en-GB" sz="1550">
+                <a:solidFill>
+                  <a:srgbClr val="FFFFFF"/>
+                </a:solidFill>
                 <a:latin typeface="Arial"/>
                 <a:ea typeface="Arial"/>
                 <a:cs typeface="Arial"/>
                 <a:sym typeface="Arial"/>
               </a:rPr>
-              <a:t>We have used rule based readability indices, statistical model and neural network model over the same corpus to understand the complexity and fluency of sentences.</a:t>
+              <a:t>We have used rule based readability indices, statistical model and neural network model over the same corpus to understand the complexity and fluency of sentences and then devise a new formula to measure fluency based on weighted means normalization.</a:t>
             </a:r>
             <a:endParaRPr sz="1550">
+              <a:solidFill>
+                <a:srgbClr val="FFFFFF"/>
+              </a:solidFill>
               <a:latin typeface="Arial"/>
               <a:ea typeface="Arial"/>
               <a:cs typeface="Arial"/>
@@ -16781,6 +16833,9 @@
           </a:p>
           <a:p>
             <a:pPr indent="0" lvl="0" marL="0" rtl="0" algn="l">
+              <a:lnSpc>
+                <a:spcPct val="115000"/>
+              </a:lnSpc>
               <a:spcBef>
                 <a:spcPts val="500"/>
               </a:spcBef>
@@ -16791,12 +16846,38 @@
             </a:pPr>
             <a:r>
               <a:rPr lang="en-GB" sz="1550">
+                <a:solidFill>
+                  <a:srgbClr val="FFFFFF"/>
+                </a:solidFill>
                 <a:latin typeface="Arial"/>
                 <a:ea typeface="Arial"/>
                 <a:cs typeface="Arial"/>
                 <a:sym typeface="Arial"/>
               </a:rPr>
-              <a:t>Then we compared the weighted mean score with manual human fluency scores for 100.</a:t>
+              <a:t>We compared the weighted means score with manual human fluency scores for 100.</a:t>
+            </a:r>
+            <a:endParaRPr sz="1550">
+              <a:solidFill>
+                <a:srgbClr val="FFFFFF"/>
+              </a:solidFill>
+              <a:latin typeface="Arial"/>
+              <a:ea typeface="Arial"/>
+              <a:cs typeface="Arial"/>
+              <a:sym typeface="Arial"/>
+            </a:endParaRPr>
+          </a:p>
+          <a:p>
+            <a:pPr indent="0" lvl="0" marL="0" rtl="0" algn="l">
+              <a:spcBef>
+                <a:spcPts val="500"/>
+              </a:spcBef>
+              <a:spcAft>
+                <a:spcPts val="0"/>
+              </a:spcAft>
+              <a:buNone/>
+            </a:pPr>
+            <a:r>
+              <a:t/>
             </a:r>
             <a:endParaRPr sz="1550">
               <a:latin typeface="Arial"/>
@@ -17054,7 +17135,7 @@
                 <a:cs typeface="Arial"/>
                 <a:sym typeface="Arial"/>
               </a:rPr>
-              <a:t>First we will use rule based  measures to measure the textual readability of the sentences in the corpus. </a:t>
+              <a:t>First we will use existing rule based measures to understand the textual readability of the sentences in the corpus. </a:t>
             </a:r>
             <a:endParaRPr>
               <a:latin typeface="Arial"/>
@@ -17082,7 +17163,7 @@
                 <a:cs typeface="Arial"/>
                 <a:sym typeface="Arial"/>
               </a:rPr>
-              <a:t>Next we measure the fluency using a statistical model and in the end we measure the fluency using an LSTM NN model. </a:t>
+              <a:t>Next we measure the fluency using a statistical n-gram LM model and in the end we measure the fluency using an LSTM NN model. </a:t>
             </a:r>
             <a:endParaRPr>
               <a:latin typeface="Arial"/>
@@ -18157,7 +18238,7 @@
                 <a:cs typeface="Arial"/>
                 <a:sym typeface="Arial"/>
               </a:rPr>
-              <a:t>Applied readability indices to a subset of 15,600 sentences. </a:t>
+              <a:t>Applied readability indices to a subset of 15,600 English sentences. </a:t>
             </a:r>
             <a:endParaRPr sz="1500">
               <a:latin typeface="Arial"/>
@@ -18521,7 +18602,25 @@
                 <a:cs typeface="Arial"/>
                 <a:sym typeface="Arial"/>
               </a:rPr>
-              <a:t>We have applied the below readability indices to a subset of 15,600 sentences. These are based on different rules of the given text and help determine the readability, complexity, grade level. Based on the computed readability index, we perceive it as easier to the reader and hence more natural. This might not be a direct measure of textual fluency but is an important metric to measure it. The sentences with high readability indices are more likely to score well on the fluency scale as well.</a:t>
+              <a:t>We have applied the below readability indices to a subset of 15,600 </a:t>
+            </a:r>
+            <a:r>
+              <a:rPr lang="en-GB" sz="1500">
+                <a:latin typeface="Arial"/>
+                <a:ea typeface="Arial"/>
+                <a:cs typeface="Arial"/>
+                <a:sym typeface="Arial"/>
+              </a:rPr>
+              <a:t>English </a:t>
+            </a:r>
+            <a:r>
+              <a:rPr lang="en-GB" sz="1500">
+                <a:latin typeface="Arial"/>
+                <a:ea typeface="Arial"/>
+                <a:cs typeface="Arial"/>
+                <a:sym typeface="Arial"/>
+              </a:rPr>
+              <a:t>sentences. These are based on different rules of the given text and help determine the readability, complexity, grade level. Based on the computed readability index, we perceive it as easier to the reader and hence more natural. This might not be a direct measure of textual fluency but is an important metric to measure it. The sentences with high readability indices are more likely to score well on the fluency scale as well.</a:t>
             </a:r>
             <a:endParaRPr sz="1500">
               <a:latin typeface="Arial"/>
